--- a/ch.bfh.bti7081.s2013.yellow/doc/task02/task1_2_presentation.pptx
+++ b/ch.bfh.bti7081.s2013.yellow/doc/task02/task1_2_presentation.pptx
@@ -6,16 +6,14 @@
   </p:sldMasterIdLst>
   <p:sldIdLst>
     <p:sldId id="256" r:id="rId2"/>
-    <p:sldId id="257" r:id="rId3"/>
-    <p:sldId id="258" r:id="rId4"/>
-    <p:sldId id="259" r:id="rId5"/>
-    <p:sldId id="260" r:id="rId6"/>
-    <p:sldId id="261" r:id="rId7"/>
-    <p:sldId id="262" r:id="rId8"/>
-    <p:sldId id="263" r:id="rId9"/>
+    <p:sldId id="258" r:id="rId3"/>
+    <p:sldId id="259" r:id="rId4"/>
+    <p:sldId id="260" r:id="rId5"/>
+    <p:sldId id="261" r:id="rId6"/>
+    <p:sldId id="262" r:id="rId7"/>
+    <p:sldId id="263" r:id="rId8"/>
+    <p:sldId id="265" r:id="rId9"/>
     <p:sldId id="264" r:id="rId10"/>
-    <p:sldId id="265" r:id="rId11"/>
-    <p:sldId id="266" r:id="rId12"/>
   </p:sldIdLst>
   <p:sldSz cx="9144000" cy="6858000" type="screen4x3"/>
   <p:notesSz cx="6858000" cy="9144000"/>
@@ -3176,157 +3174,6 @@
 </p:sld>
 </file>
 
-<file path=ppt/slides/slide10.xml><?xml version="1.0" encoding="utf-8"?>
-<p:sld xmlns:a="http://schemas.openxmlformats.org/drawingml/2006/main" xmlns:r="http://schemas.openxmlformats.org/officeDocument/2006/relationships" xmlns:p="http://schemas.openxmlformats.org/presentationml/2006/main">
-  <p:cSld>
-    <p:spTree>
-      <p:nvGrpSpPr>
-        <p:cNvPr id="1" name=""/>
-        <p:cNvGrpSpPr/>
-        <p:nvPr/>
-      </p:nvGrpSpPr>
-      <p:grpSpPr>
-        <a:xfrm>
-          <a:off x="0" y="0"/>
-          <a:ext cx="0" cy="0"/>
-          <a:chOff x="0" y="0"/>
-          <a:chExt cx="0" cy="0"/>
-        </a:xfrm>
-      </p:grpSpPr>
-      <p:sp>
-        <p:nvSpPr>
-          <p:cNvPr id="2" name="Title 1"/>
-          <p:cNvSpPr>
-            <a:spLocks noGrp="1"/>
-          </p:cNvSpPr>
-          <p:nvPr>
-            <p:ph type="title"/>
-          </p:nvPr>
-        </p:nvSpPr>
-        <p:spPr/>
-        <p:txBody>
-          <a:bodyPr/>
-          <a:lstStyle/>
-          <a:p>
-            <a:r>
-              <a:rPr lang="de-CH" dirty="0" smtClean="0"/>
-              <a:t>Aktivitäten, Ziele und Resultate</a:t>
-            </a:r>
-            <a:endParaRPr lang="de-CH" dirty="0"/>
-          </a:p>
-        </p:txBody>
-      </p:sp>
-      <p:sp>
-        <p:nvSpPr>
-          <p:cNvPr id="3" name="Content Placeholder 2"/>
-          <p:cNvSpPr>
-            <a:spLocks noGrp="1"/>
-          </p:cNvSpPr>
-          <p:nvPr>
-            <p:ph idx="1"/>
-          </p:nvPr>
-        </p:nvSpPr>
-        <p:spPr/>
-        <p:txBody>
-          <a:bodyPr/>
-          <a:lstStyle/>
-          <a:p>
-            <a:endParaRPr lang="de-CH"/>
-          </a:p>
-        </p:txBody>
-      </p:sp>
-    </p:spTree>
-    <p:extLst>
-      <p:ext uri="{BB962C8B-B14F-4D97-AF65-F5344CB8AC3E}">
-        <p14:creationId xmlns:p14="http://schemas.microsoft.com/office/powerpoint/2010/main" val="1796457167"/>
-      </p:ext>
-    </p:extLst>
-  </p:cSld>
-  <p:clrMapOvr>
-    <a:masterClrMapping/>
-  </p:clrMapOvr>
-  <p:timing>
-    <p:tnLst>
-      <p:par>
-        <p:cTn id="1" dur="indefinite" restart="never" nodeType="tmRoot"/>
-      </p:par>
-    </p:tnLst>
-  </p:timing>
-</p:sld>
-</file>
-
-<file path=ppt/slides/slide11.xml><?xml version="1.0" encoding="utf-8"?>
-<p:sld xmlns:a="http://schemas.openxmlformats.org/drawingml/2006/main" xmlns:r="http://schemas.openxmlformats.org/officeDocument/2006/relationships" xmlns:p="http://schemas.openxmlformats.org/presentationml/2006/main">
-  <p:cSld>
-    <p:spTree>
-      <p:nvGrpSpPr>
-        <p:cNvPr id="1" name=""/>
-        <p:cNvGrpSpPr/>
-        <p:nvPr/>
-      </p:nvGrpSpPr>
-      <p:grpSpPr>
-        <a:xfrm>
-          <a:off x="0" y="0"/>
-          <a:ext cx="0" cy="0"/>
-          <a:chOff x="0" y="0"/>
-          <a:chExt cx="0" cy="0"/>
-        </a:xfrm>
-      </p:grpSpPr>
-      <p:sp>
-        <p:nvSpPr>
-          <p:cNvPr id="2" name="Title 1"/>
-          <p:cNvSpPr>
-            <a:spLocks noGrp="1"/>
-          </p:cNvSpPr>
-          <p:nvPr>
-            <p:ph type="title"/>
-          </p:nvPr>
-        </p:nvSpPr>
-        <p:spPr/>
-        <p:txBody>
-          <a:bodyPr/>
-          <a:lstStyle/>
-          <a:p>
-            <a:r>
-              <a:rPr lang="de-CH" dirty="0" smtClean="0"/>
-              <a:t>Stakeholders</a:t>
-            </a:r>
-            <a:endParaRPr lang="de-CH" dirty="0"/>
-          </a:p>
-        </p:txBody>
-      </p:sp>
-      <p:sp>
-        <p:nvSpPr>
-          <p:cNvPr id="3" name="Content Placeholder 2"/>
-          <p:cNvSpPr>
-            <a:spLocks noGrp="1"/>
-          </p:cNvSpPr>
-          <p:nvPr>
-            <p:ph idx="1"/>
-          </p:nvPr>
-        </p:nvSpPr>
-        <p:spPr/>
-        <p:txBody>
-          <a:bodyPr/>
-          <a:lstStyle/>
-          <a:p>
-            <a:endParaRPr lang="de-CH"/>
-          </a:p>
-        </p:txBody>
-      </p:sp>
-    </p:spTree>
-    <p:extLst>
-      <p:ext uri="{BB962C8B-B14F-4D97-AF65-F5344CB8AC3E}">
-        <p14:creationId xmlns:p14="http://schemas.microsoft.com/office/powerpoint/2010/main" val="77858726"/>
-      </p:ext>
-    </p:extLst>
-  </p:cSld>
-  <p:clrMapOvr>
-    <a:masterClrMapping/>
-  </p:clrMapOvr>
-</p:sld>
-</file>
-
 <file path=ppt/slides/slide2.xml><?xml version="1.0" encoding="utf-8"?>
 <p:sld xmlns:a="http://schemas.openxmlformats.org/drawingml/2006/main" xmlns:r="http://schemas.openxmlformats.org/officeDocument/2006/relationships" xmlns:p="http://schemas.openxmlformats.org/presentationml/2006/main">
   <p:cSld>
@@ -3361,7 +3208,7 @@
           <a:p>
             <a:r>
               <a:rPr lang="de-CH" dirty="0" smtClean="0"/>
-              <a:t>Zielgruppen</a:t>
+              <a:t>Schlüsselfunktionen</a:t>
             </a:r>
             <a:endParaRPr lang="de-CH" dirty="0"/>
           </a:p>
@@ -3384,46 +3231,46 @@
           <a:p>
             <a:r>
               <a:rPr lang="de-CH" dirty="0" smtClean="0"/>
-              <a:t>Ärzte</a:t>
-            </a:r>
-            <a:endParaRPr lang="de-CH" u="sng" dirty="0"/>
+              <a:t>Patientendaten </a:t>
+            </a:r>
+            <a:r>
+              <a:rPr lang="de-CH" dirty="0"/>
+              <a:t>verwalten</a:t>
+            </a:r>
           </a:p>
           <a:p>
             <a:r>
               <a:rPr lang="de-CH" dirty="0" smtClean="0"/>
-              <a:t>Krankenschwestern </a:t>
+              <a:t>Medikation </a:t>
             </a:r>
             <a:r>
               <a:rPr lang="de-CH" dirty="0"/>
-              <a:t>/ </a:t>
-            </a:r>
+              <a:t>eines Patienten</a:t>
+            </a:r>
+          </a:p>
+          <a:p>
             <a:r>
               <a:rPr lang="de-CH" dirty="0" smtClean="0"/>
-              <a:t>Pflegefachkräfte</a:t>
-            </a:r>
-            <a:endParaRPr lang="de-CH" dirty="0"/>
-          </a:p>
-          <a:p>
+              <a:t>Terminverwaltung </a:t>
+            </a:r>
+            <a:r>
+              <a:rPr lang="de-CH" dirty="0"/>
+              <a:t>(+ </a:t>
+            </a:r>
             <a:r>
               <a:rPr lang="de-CH" dirty="0" smtClean="0"/>
-              <a:t>Gesundheitskontrolle</a:t>
-            </a:r>
-            <a:endParaRPr lang="de-CH" dirty="0"/>
+              <a:t>Therapien, Sprechstunden</a:t>
+            </a:r>
+            <a:r>
+              <a:rPr lang="de-CH" dirty="0"/>
+              <a:t>)</a:t>
+            </a:r>
           </a:p>
           <a:p>
             <a:r>
               <a:rPr lang="de-CH" dirty="0" smtClean="0"/>
-              <a:t>Management</a:t>
-            </a:r>
-            <a:endParaRPr lang="de-CH" dirty="0"/>
-          </a:p>
-          <a:p>
-            <a:r>
-              <a:rPr lang="de-CH" dirty="0" smtClean="0"/>
-              <a:t>Reception</a:t>
-            </a:r>
-          </a:p>
-          <a:p>
+              <a:t>Reporting</a:t>
+            </a:r>
             <a:endParaRPr lang="de-CH" dirty="0"/>
           </a:p>
         </p:txBody>
@@ -3431,7 +3278,7 @@
     </p:spTree>
     <p:extLst>
       <p:ext uri="{BB962C8B-B14F-4D97-AF65-F5344CB8AC3E}">
-        <p14:creationId xmlns:p14="http://schemas.microsoft.com/office/powerpoint/2010/main" val="1082943768"/>
+        <p14:creationId xmlns:p14="http://schemas.microsoft.com/office/powerpoint/2010/main" val="720132537"/>
       </p:ext>
     </p:extLst>
   </p:cSld>
@@ -3482,127 +3329,6 @@
           <a:p>
             <a:r>
               <a:rPr lang="de-CH" dirty="0" smtClean="0"/>
-              <a:t>Schlüsselfunktionen</a:t>
-            </a:r>
-            <a:endParaRPr lang="de-CH" dirty="0"/>
-          </a:p>
-        </p:txBody>
-      </p:sp>
-      <p:sp>
-        <p:nvSpPr>
-          <p:cNvPr id="3" name="Content Placeholder 2"/>
-          <p:cNvSpPr>
-            <a:spLocks noGrp="1"/>
-          </p:cNvSpPr>
-          <p:nvPr>
-            <p:ph idx="1"/>
-          </p:nvPr>
-        </p:nvSpPr>
-        <p:spPr/>
-        <p:txBody>
-          <a:bodyPr/>
-          <a:lstStyle/>
-          <a:p>
-            <a:r>
-              <a:rPr lang="de-CH" dirty="0" smtClean="0"/>
-              <a:t>Patientendaten </a:t>
-            </a:r>
-            <a:r>
-              <a:rPr lang="de-CH" dirty="0"/>
-              <a:t>verwalten</a:t>
-            </a:r>
-          </a:p>
-          <a:p>
-            <a:r>
-              <a:rPr lang="de-CH" dirty="0" smtClean="0"/>
-              <a:t>Medikation </a:t>
-            </a:r>
-            <a:r>
-              <a:rPr lang="de-CH" dirty="0"/>
-              <a:t>eines Patienten</a:t>
-            </a:r>
-          </a:p>
-          <a:p>
-            <a:r>
-              <a:rPr lang="de-CH" dirty="0" smtClean="0"/>
-              <a:t>Terminverwaltung </a:t>
-            </a:r>
-            <a:r>
-              <a:rPr lang="de-CH" dirty="0"/>
-              <a:t>(+ </a:t>
-            </a:r>
-            <a:r>
-              <a:rPr lang="de-CH" dirty="0" smtClean="0"/>
-              <a:t>Therapien, Sprechstunden</a:t>
-            </a:r>
-            <a:r>
-              <a:rPr lang="de-CH" dirty="0"/>
-              <a:t>)</a:t>
-            </a:r>
-          </a:p>
-          <a:p>
-            <a:r>
-              <a:rPr lang="de-CH" dirty="0" smtClean="0"/>
-              <a:t>Reporting</a:t>
-            </a:r>
-            <a:endParaRPr lang="de-CH" dirty="0"/>
-          </a:p>
-        </p:txBody>
-      </p:sp>
-    </p:spTree>
-    <p:extLst>
-      <p:ext uri="{BB962C8B-B14F-4D97-AF65-F5344CB8AC3E}">
-        <p14:creationId xmlns:p14="http://schemas.microsoft.com/office/powerpoint/2010/main" val="720132537"/>
-      </p:ext>
-    </p:extLst>
-  </p:cSld>
-  <p:clrMapOvr>
-    <a:masterClrMapping/>
-  </p:clrMapOvr>
-  <p:timing>
-    <p:tnLst>
-      <p:par>
-        <p:cTn id="1" dur="indefinite" restart="never" nodeType="tmRoot"/>
-      </p:par>
-    </p:tnLst>
-  </p:timing>
-</p:sld>
-</file>
-
-<file path=ppt/slides/slide4.xml><?xml version="1.0" encoding="utf-8"?>
-<p:sld xmlns:a="http://schemas.openxmlformats.org/drawingml/2006/main" xmlns:r="http://schemas.openxmlformats.org/officeDocument/2006/relationships" xmlns:p="http://schemas.openxmlformats.org/presentationml/2006/main">
-  <p:cSld>
-    <p:spTree>
-      <p:nvGrpSpPr>
-        <p:cNvPr id="1" name=""/>
-        <p:cNvGrpSpPr/>
-        <p:nvPr/>
-      </p:nvGrpSpPr>
-      <p:grpSpPr>
-        <a:xfrm>
-          <a:off x="0" y="0"/>
-          <a:ext cx="0" cy="0"/>
-          <a:chOff x="0" y="0"/>
-          <a:chExt cx="0" cy="0"/>
-        </a:xfrm>
-      </p:grpSpPr>
-      <p:sp>
-        <p:nvSpPr>
-          <p:cNvPr id="2" name="Title 1"/>
-          <p:cNvSpPr>
-            <a:spLocks noGrp="1"/>
-          </p:cNvSpPr>
-          <p:nvPr>
-            <p:ph type="title"/>
-          </p:nvPr>
-        </p:nvSpPr>
-        <p:spPr/>
-        <p:txBody>
-          <a:bodyPr/>
-          <a:lstStyle/>
-          <a:p>
-            <a:r>
-              <a:rPr lang="de-CH" dirty="0" smtClean="0"/>
               <a:t>Kritische Erfolgsfaktoren</a:t>
             </a:r>
             <a:endParaRPr lang="de-CH" dirty="0"/>
@@ -3640,8 +3366,15 @@
             </a:r>
             <a:r>
               <a:rPr lang="de-CH" dirty="0"/>
-              <a:t>Mental Health Act</a:t>
-            </a:r>
+              <a:t>Mental Health </a:t>
+            </a:r>
+            <a:r>
+              <a:rPr lang="de-CH" dirty="0" smtClean="0"/>
+              <a:t>Act</a:t>
+            </a:r>
+          </a:p>
+          <a:p>
+            <a:endParaRPr lang="de-CH" dirty="0"/>
           </a:p>
         </p:txBody>
       </p:sp>
@@ -3665,7 +3398,7 @@
 </p:sld>
 </file>
 
-<file path=ppt/slides/slide5.xml><?xml version="1.0" encoding="utf-8"?>
+<file path=ppt/slides/slide4.xml><?xml version="1.0" encoding="utf-8"?>
 <p:sld xmlns:a="http://schemas.openxmlformats.org/drawingml/2006/main" xmlns:r="http://schemas.openxmlformats.org/officeDocument/2006/relationships" xmlns:p="http://schemas.openxmlformats.org/presentationml/2006/main">
   <p:cSld>
     <p:spTree>
@@ -3785,6 +3518,94 @@
 </p:sld>
 </file>
 
+<file path=ppt/slides/slide5.xml><?xml version="1.0" encoding="utf-8"?>
+<p:sld xmlns:a="http://schemas.openxmlformats.org/drawingml/2006/main" xmlns:r="http://schemas.openxmlformats.org/officeDocument/2006/relationships" xmlns:p="http://schemas.openxmlformats.org/presentationml/2006/main">
+  <p:cSld>
+    <p:spTree>
+      <p:nvGrpSpPr>
+        <p:cNvPr id="1" name=""/>
+        <p:cNvGrpSpPr/>
+        <p:nvPr/>
+      </p:nvGrpSpPr>
+      <p:grpSpPr>
+        <a:xfrm>
+          <a:off x="0" y="0"/>
+          <a:ext cx="0" cy="0"/>
+          <a:chOff x="0" y="0"/>
+          <a:chExt cx="0" cy="0"/>
+        </a:xfrm>
+      </p:grpSpPr>
+      <p:sp>
+        <p:nvSpPr>
+          <p:cNvPr id="2" name="Title 1"/>
+          <p:cNvSpPr>
+            <a:spLocks noGrp="1"/>
+          </p:cNvSpPr>
+          <p:nvPr>
+            <p:ph type="ctrTitle"/>
+          </p:nvPr>
+        </p:nvSpPr>
+        <p:spPr/>
+        <p:txBody>
+          <a:bodyPr/>
+          <a:lstStyle/>
+          <a:p>
+            <a:r>
+              <a:rPr lang="de-CH" dirty="0" smtClean="0"/>
+              <a:t>Präsentation CS Task 2</a:t>
+            </a:r>
+            <a:endParaRPr lang="de-CH" dirty="0"/>
+          </a:p>
+        </p:txBody>
+      </p:sp>
+      <p:sp>
+        <p:nvSpPr>
+          <p:cNvPr id="3" name="Subtitle 2"/>
+          <p:cNvSpPr>
+            <a:spLocks noGrp="1"/>
+          </p:cNvSpPr>
+          <p:nvPr>
+            <p:ph type="subTitle" idx="1"/>
+          </p:nvPr>
+        </p:nvSpPr>
+        <p:spPr/>
+        <p:txBody>
+          <a:bodyPr/>
+          <a:lstStyle/>
+          <a:p>
+            <a:r>
+              <a:rPr lang="de-CH" dirty="0" smtClean="0"/>
+              <a:t>ch.bfh.bti7081.s2013.yellow</a:t>
+            </a:r>
+          </a:p>
+          <a:p>
+            <a:r>
+              <a:rPr lang="de-CH" dirty="0" smtClean="0"/>
+              <a:t>01.03.2013</a:t>
+            </a:r>
+          </a:p>
+        </p:txBody>
+      </p:sp>
+    </p:spTree>
+    <p:extLst>
+      <p:ext uri="{BB962C8B-B14F-4D97-AF65-F5344CB8AC3E}">
+        <p14:creationId xmlns:p14="http://schemas.microsoft.com/office/powerpoint/2010/main" val="977746932"/>
+      </p:ext>
+    </p:extLst>
+  </p:cSld>
+  <p:clrMapOvr>
+    <a:masterClrMapping/>
+  </p:clrMapOvr>
+  <p:timing>
+    <p:tnLst>
+      <p:par>
+        <p:cTn id="1" dur="indefinite" restart="never" nodeType="tmRoot"/>
+      </p:par>
+    </p:tnLst>
+  </p:timing>
+</p:sld>
+</file>
+
 <file path=ppt/slides/slide6.xml><?xml version="1.0" encoding="utf-8"?>
 <p:sld xmlns:a="http://schemas.openxmlformats.org/drawingml/2006/main" xmlns:r="http://schemas.openxmlformats.org/officeDocument/2006/relationships" xmlns:p="http://schemas.openxmlformats.org/presentationml/2006/main">
   <p:cSld>
@@ -3809,7 +3630,7 @@
             <a:spLocks noGrp="1"/>
           </p:cNvSpPr>
           <p:nvPr>
-            <p:ph type="ctrTitle"/>
+            <p:ph type="title"/>
           </p:nvPr>
         </p:nvSpPr>
         <p:spPr/>
@@ -3819,7 +3640,7 @@
           <a:p>
             <a:r>
               <a:rPr lang="de-CH" dirty="0" smtClean="0"/>
-              <a:t>Präsentation CS Task 2</a:t>
+              <a:t>Vor- und Nachteile «Plan driven»</a:t>
             </a:r>
             <a:endParaRPr lang="de-CH" dirty="0"/>
           </a:p>
@@ -3827,36 +3648,75 @@
       </p:sp>
       <p:sp>
         <p:nvSpPr>
-          <p:cNvPr id="3" name="Subtitle 2"/>
-          <p:cNvSpPr>
-            <a:spLocks noGrp="1"/>
-          </p:cNvSpPr>
-          <p:nvPr>
-            <p:ph type="subTitle" idx="1"/>
-          </p:nvPr>
-        </p:nvSpPr>
-        <p:spPr/>
-        <p:txBody>
-          <a:bodyPr/>
-          <a:lstStyle/>
-          <a:p>
+          <p:cNvPr id="3" name="Content Placeholder 2"/>
+          <p:cNvSpPr>
+            <a:spLocks noGrp="1"/>
+          </p:cNvSpPr>
+          <p:nvPr>
+            <p:ph idx="1"/>
+          </p:nvPr>
+        </p:nvSpPr>
+        <p:spPr/>
+        <p:txBody>
+          <a:bodyPr>
+            <a:normAutofit lnSpcReduction="10000"/>
+          </a:bodyPr>
+          <a:lstStyle/>
+          <a:p>
+            <a:pPr marL="0" indent="0">
+              <a:buNone/>
+            </a:pPr>
             <a:r>
               <a:rPr lang="de-CH" dirty="0" smtClean="0"/>
-              <a:t>ch.bfh.bti7081.s2013.yellow</a:t>
+              <a:t>Pro's</a:t>
             </a:r>
           </a:p>
           <a:p>
             <a:r>
               <a:rPr lang="de-CH" dirty="0" smtClean="0"/>
-              <a:t>01.03.2013</a:t>
-            </a:r>
+              <a:t>definierte Roadmap</a:t>
+            </a:r>
+          </a:p>
+          <a:p>
+            <a:r>
+              <a:rPr lang="de-CH" dirty="0" smtClean="0"/>
+              <a:t>klarer Vertrag mit Kunde, welche Objekte wann geliefert werden müssen</a:t>
+            </a:r>
+          </a:p>
+          <a:p>
+            <a:pPr marL="0" indent="0">
+              <a:buNone/>
+            </a:pPr>
+            <a:endParaRPr lang="de-CH" dirty="0"/>
+          </a:p>
+          <a:p>
+            <a:pPr marL="0" indent="0">
+              <a:buNone/>
+            </a:pPr>
+            <a:r>
+              <a:rPr lang="de-CH" dirty="0" smtClean="0"/>
+              <a:t>Con's</a:t>
+            </a:r>
+          </a:p>
+          <a:p>
+            <a:r>
+              <a:rPr lang="de-CH" dirty="0" smtClean="0"/>
+              <a:t>Viele Unklarheiten</a:t>
+            </a:r>
+          </a:p>
+          <a:p>
+            <a:r>
+              <a:rPr lang="de-CH" dirty="0" smtClean="0"/>
+              <a:t>fehlende Anforderungen</a:t>
+            </a:r>
+            <a:endParaRPr lang="de-CH" dirty="0"/>
           </a:p>
         </p:txBody>
       </p:sp>
     </p:spTree>
     <p:extLst>
       <p:ext uri="{BB962C8B-B14F-4D97-AF65-F5344CB8AC3E}">
-        <p14:creationId xmlns:p14="http://schemas.microsoft.com/office/powerpoint/2010/main" val="977746932"/>
+        <p14:creationId xmlns:p14="http://schemas.microsoft.com/office/powerpoint/2010/main" val="3726511492"/>
       </p:ext>
     </p:extLst>
   </p:cSld>
@@ -3907,7 +3767,7 @@
           <a:p>
             <a:r>
               <a:rPr lang="de-CH" dirty="0" smtClean="0"/>
-              <a:t>Vor- und Nachteile «Plan driven»</a:t>
+              <a:t>Vor- und Nachteile «Agile»</a:t>
             </a:r>
             <a:endParaRPr lang="de-CH" dirty="0"/>
           </a:p>
@@ -3926,7 +3786,7 @@
         <p:spPr/>
         <p:txBody>
           <a:bodyPr>
-            <a:normAutofit lnSpcReduction="10000"/>
+            <a:normAutofit fontScale="92500"/>
           </a:bodyPr>
           <a:lstStyle/>
           <a:p>
@@ -3941,20 +3801,24 @@
           <a:p>
             <a:r>
               <a:rPr lang="de-CH" dirty="0" smtClean="0"/>
-              <a:t>definierte Roadmap</a:t>
-            </a:r>
-          </a:p>
-          <a:p>
+              <a:t>Schrittweises Erarbeiten </a:t>
+            </a:r>
             <a:r>
               <a:rPr lang="de-CH" dirty="0" smtClean="0"/>
-              <a:t>klarer Vertrag mit Kunde, welche Objekte wann geliefert werden müssen</a:t>
+              <a:t>der Lösung (mit Kunde)</a:t>
+            </a:r>
+          </a:p>
+          <a:p>
+            <a:r>
+              <a:rPr lang="de-CH" dirty="0" smtClean="0"/>
+              <a:t>Flexibilität</a:t>
             </a:r>
           </a:p>
           <a:p>
             <a:pPr marL="0" indent="0">
               <a:buNone/>
             </a:pPr>
-            <a:endParaRPr lang="de-CH" dirty="0"/>
+            <a:endParaRPr lang="de-CH" dirty="0" smtClean="0"/>
           </a:p>
           <a:p>
             <a:pPr marL="0" indent="0">
@@ -3968,13 +3832,25 @@
           <a:p>
             <a:r>
               <a:rPr lang="de-CH" dirty="0" smtClean="0"/>
-              <a:t>Viele Unklarheiten</a:t>
-            </a:r>
-          </a:p>
-          <a:p>
+              <a:t>Kunde fehlt </a:t>
+            </a:r>
             <a:r>
               <a:rPr lang="de-CH" dirty="0" smtClean="0"/>
-              <a:t>fehlende Anforderungen</a:t>
+              <a:t>technisches </a:t>
+            </a:r>
+            <a:r>
+              <a:rPr lang="de-CH" dirty="0" smtClean="0"/>
+              <a:t>Verständnis -&gt; setzt Prioritäten evtl. </a:t>
+            </a:r>
+            <a:r>
+              <a:rPr lang="de-CH" dirty="0" smtClean="0"/>
+              <a:t>falsch </a:t>
+            </a:r>
+          </a:p>
+          <a:p>
+            <a:r>
+              <a:rPr lang="de-CH" dirty="0" smtClean="0"/>
+              <a:t>Kunde muss Bereitschaft zur Mitarbeit zeigen</a:t>
             </a:r>
             <a:endParaRPr lang="de-CH" dirty="0"/>
           </a:p>
@@ -3983,7 +3859,7 @@
     </p:spTree>
     <p:extLst>
       <p:ext uri="{BB962C8B-B14F-4D97-AF65-F5344CB8AC3E}">
-        <p14:creationId xmlns:p14="http://schemas.microsoft.com/office/powerpoint/2010/main" val="3726511492"/>
+        <p14:creationId xmlns:p14="http://schemas.microsoft.com/office/powerpoint/2010/main" val="2801956018"/>
       </p:ext>
     </p:extLst>
   </p:cSld>
@@ -4034,7 +3910,11 @@
           <a:p>
             <a:r>
               <a:rPr lang="de-CH" dirty="0" smtClean="0"/>
-              <a:t>Vor- und Nachteile «Agile»</a:t>
+              <a:t>Vor- und Nachteile </a:t>
+            </a:r>
+            <a:r>
+              <a:rPr lang="de-CH" dirty="0" smtClean="0"/>
+              <a:t>«Combination»</a:t>
             </a:r>
             <a:endParaRPr lang="de-CH" dirty="0"/>
           </a:p>
@@ -4053,7 +3933,7 @@
         <p:spPr/>
         <p:txBody>
           <a:bodyPr>
-            <a:normAutofit/>
+            <a:normAutofit lnSpcReduction="10000"/>
           </a:bodyPr>
           <a:lstStyle/>
           <a:p>
@@ -4068,13 +3948,19 @@
           <a:p>
             <a:r>
               <a:rPr lang="de-CH" dirty="0" smtClean="0"/>
-              <a:t>Schritteweise erarbeiten der Lösung (mit Kunde)</a:t>
+              <a:t>Product Backlog anstatt Pflichtenheft</a:t>
             </a:r>
           </a:p>
           <a:p>
             <a:r>
               <a:rPr lang="de-CH" dirty="0" smtClean="0"/>
-              <a:t>Flexibilität</a:t>
+              <a:t>Flexibilität durch agiles Vorgehen</a:t>
+            </a:r>
+          </a:p>
+          <a:p>
+            <a:r>
+              <a:rPr lang="de-CH" dirty="0" smtClean="0"/>
+              <a:t>Interaktion mit Kunde</a:t>
             </a:r>
           </a:p>
           <a:p>
@@ -4095,7 +3981,7 @@
           <a:p>
             <a:r>
               <a:rPr lang="de-CH" dirty="0" smtClean="0"/>
-              <a:t>Kunde fehlt tech Verständnis -&gt; setzt Prioritäten evtl. Falsch </a:t>
+              <a:t>Setzt gewisses tech. Verständnis des Kunden voraus</a:t>
             </a:r>
             <a:endParaRPr lang="de-CH" dirty="0"/>
           </a:p>
@@ -4104,7 +3990,7 @@
     </p:spTree>
     <p:extLst>
       <p:ext uri="{BB962C8B-B14F-4D97-AF65-F5344CB8AC3E}">
-        <p14:creationId xmlns:p14="http://schemas.microsoft.com/office/powerpoint/2010/main" val="2801956018"/>
+        <p14:creationId xmlns:p14="http://schemas.microsoft.com/office/powerpoint/2010/main" val="3915047594"/>
       </p:ext>
     </p:extLst>
   </p:cSld>
@@ -4155,7 +4041,11 @@
           <a:p>
             <a:r>
               <a:rPr lang="de-CH" dirty="0" smtClean="0"/>
-              <a:t>Prozess Modell</a:t>
+              <a:t>Prozess </a:t>
+            </a:r>
+            <a:r>
+              <a:rPr lang="de-CH" dirty="0" smtClean="0"/>
+              <a:t>Modell «Hybrid»</a:t>
             </a:r>
             <a:endParaRPr lang="de-CH" dirty="0"/>
           </a:p>
@@ -4203,7 +4093,7 @@
         </p:blipFill>
         <p:spPr bwMode="auto">
           <a:xfrm>
-            <a:off x="107504" y="1768474"/>
+            <a:off x="187771" y="1768474"/>
             <a:ext cx="8848725" cy="3990975"/>
           </a:xfrm>
           <a:prstGeom prst="rect">
